--- a/slide 1.pptx
+++ b/slide 1.pptx
@@ -2251,7 +2251,7 @@
         </p:nvSpPr>
         <p:spPr>
           <a:xfrm>
-            <a:off x="381300" y="685800"/>
+            <a:off x="381000" y="685800"/>
             <a:ext cx="6096000" cy="3429000"/>
           </a:xfrm>
           <a:custGeom>
@@ -10749,7 +10749,7 @@
         </p:nvSpPr>
         <p:spPr>
           <a:xfrm>
-            <a:off x="311700" y="1152475"/>
+            <a:off x="1310182" y="921247"/>
             <a:ext cx="8520600" cy="3416400"/>
           </a:xfrm>
           <a:prstGeom prst="rect">
@@ -10777,7 +10777,7 @@
               <a:buNone/>
             </a:pPr>
             <a:r>
-              <a:rPr lang="en"/>
+              <a:rPr lang="en" dirty="0"/>
               <a:t>Introduction to Programming </a:t>
             </a:r>
             <a:endParaRPr/>
@@ -10794,7 +10794,7 @@
               <a:buChar char="●"/>
             </a:pPr>
             <a:r>
-              <a:rPr lang="en"/>
+              <a:rPr lang="en" dirty="0"/>
               <a:t>Converting Between Types</a:t>
             </a:r>
             <a:endParaRPr/>
@@ -10811,7 +10811,7 @@
               <a:buChar char="●"/>
             </a:pPr>
             <a:r>
-              <a:rPr lang="en"/>
+              <a:rPr lang="en" dirty="0"/>
               <a:t>Code Comments</a:t>
             </a:r>
             <a:endParaRPr/>
@@ -10828,7 +10828,7 @@
               <a:buChar char="●"/>
             </a:pPr>
             <a:r>
-              <a:rPr lang="en"/>
+              <a:rPr lang="en" dirty="0"/>
               <a:t>Variables</a:t>
             </a:r>
             <a:endParaRPr/>
@@ -10845,7 +10845,7 @@
               <a:buChar char="●"/>
             </a:pPr>
             <a:r>
-              <a:rPr lang="en"/>
+              <a:rPr lang="en" dirty="0"/>
               <a:t>Blocks</a:t>
             </a:r>
             <a:endParaRPr/>
@@ -10862,7 +10862,7 @@
               <a:buChar char="●"/>
             </a:pPr>
             <a:r>
-              <a:rPr lang="en"/>
+              <a:rPr lang="en" dirty="0"/>
               <a:t>Conditionals</a:t>
             </a:r>
             <a:endParaRPr/>
@@ -10879,7 +10879,7 @@
               <a:buChar char="●"/>
             </a:pPr>
             <a:r>
-              <a:rPr lang="en"/>
+              <a:rPr lang="en" dirty="0"/>
               <a:t>Loops</a:t>
             </a:r>
             <a:endParaRPr/>
@@ -10896,7 +10896,7 @@
               <a:buChar char="●"/>
             </a:pPr>
             <a:r>
-              <a:rPr lang="en"/>
+              <a:rPr lang="en" dirty="0"/>
               <a:t>Functions</a:t>
             </a:r>
             <a:endParaRPr/>
@@ -10913,7 +10913,7 @@
               <a:buChar char="●"/>
             </a:pPr>
             <a:r>
-              <a:rPr lang="en"/>
+              <a:rPr lang="en" dirty="0"/>
               <a:t>Scope</a:t>
             </a:r>
             <a:endParaRPr/>
@@ -10929,11 +10929,11 @@
               <a:buNone/>
             </a:pPr>
             <a:r>
-              <a:rPr lang="en" sz="1400"/>
+              <a:rPr lang="en" sz="1400" dirty="0"/>
               <a:t>Course material: </a:t>
             </a:r>
             <a:r>
-              <a:rPr lang="en" sz="1400" u="sng">
+              <a:rPr lang="en" sz="1400" u="sng" dirty="0">
                 <a:solidFill>
                   <a:schemeClr val="hlink"/>
                 </a:solidFill>
@@ -10942,7 +10942,7 @@
               <a:t>https://github.com/getify/You-Dont-Know-JS/blob/master/up%20%26%20going/ch1.md</a:t>
             </a:r>
             <a:r>
-              <a:rPr lang="en" sz="1400"/>
+              <a:rPr lang="en" sz="1400" dirty="0"/>
               <a:t> </a:t>
             </a:r>
             <a:endParaRPr sz="1400"/>

--- a/slide 1.pptx
+++ b/slide 1.pptx
@@ -278,7 +278,7 @@
   </p:defaultTextStyle>
   <p:extLst>
     <p:ext uri="{EFAFB233-063F-42B5-8137-9DF3F51BA10A}">
-      <p15:sldGuideLst xmlns:p15="http://schemas.microsoft.com/office/powerpoint/2012/main" xmlns:p14="http://schemas.microsoft.com/office/powerpoint/2010/main" xmlns:com="http://schemas.openxmlformats.org/drawingml/2006/compatibility" xmlns:pvml="urn:schemas-microsoft-com:office:powerpoint" xmlns:v="urn:schemas-microsoft-com:vml" xmlns:o="urn:schemas-microsoft-com:office:office" xmlns:dgm="http://schemas.openxmlformats.org/drawingml/2006/diagram" xmlns:c="http://schemas.openxmlformats.org/drawingml/2006/chart" xmlns:mv="urn:schemas-microsoft-com:mac:vml" xmlns:mc="http://schemas.openxmlformats.org/markup-compatibility/2006" xmlns="">
+      <p15:sldGuideLst xmlns="" xmlns:mc="http://schemas.openxmlformats.org/markup-compatibility/2006" xmlns:mv="urn:schemas-microsoft-com:mac:vml" xmlns:c="http://schemas.openxmlformats.org/drawingml/2006/chart" xmlns:dgm="http://schemas.openxmlformats.org/drawingml/2006/diagram" xmlns:o="urn:schemas-microsoft-com:office:office" xmlns:v="urn:schemas-microsoft-com:vml" xmlns:pvml="urn:schemas-microsoft-com:office:powerpoint" xmlns:com="http://schemas.openxmlformats.org/drawingml/2006/compatibility" xmlns:p14="http://schemas.microsoft.com/office/powerpoint/2010/main" xmlns:p15="http://schemas.microsoft.com/office/powerpoint/2012/main">
         <p15:guide id="1" orient="horz" pos="1620">
           <p15:clr>
             <a:srgbClr val="A4A3A4"/>
